--- a/TBGreenSur/Principle of RSRG.pptx
+++ b/TBGreenSur/Principle of RSRG.pptx
@@ -110,6 +110,11 @@
       </a:defRPr>
     </a:lvl9pPr>
   </p:defaultTextStyle>
+  <p:extLst>
+    <p:ext uri="{EFAFB233-063F-42B5-8137-9DF3F51BA10A}">
+      <p15:sldGuideLst xmlns:p15="http://schemas.microsoft.com/office/powerpoint/2012/main"/>
+    </p:ext>
+  </p:extLst>
 </p:presentation>
 </file>
 
@@ -244,7 +249,7 @@
           <a:p>
             <a:fld id="{524E3523-1617-4D8A-A6A6-A0B0E52E1D30}" type="datetimeFigureOut">
               <a:rPr lang="zh-TW" altLang="en-US" smtClean="0"/>
-              <a:t>2022/3/24</a:t>
+              <a:t>2022/3/25</a:t>
             </a:fld>
             <a:endParaRPr lang="zh-TW" altLang="en-US"/>
           </a:p>
@@ -414,7 +419,7 @@
           <a:p>
             <a:fld id="{524E3523-1617-4D8A-A6A6-A0B0E52E1D30}" type="datetimeFigureOut">
               <a:rPr lang="zh-TW" altLang="en-US" smtClean="0"/>
-              <a:t>2022/3/24</a:t>
+              <a:t>2022/3/25</a:t>
             </a:fld>
             <a:endParaRPr lang="zh-TW" altLang="en-US"/>
           </a:p>
@@ -594,7 +599,7 @@
           <a:p>
             <a:fld id="{524E3523-1617-4D8A-A6A6-A0B0E52E1D30}" type="datetimeFigureOut">
               <a:rPr lang="zh-TW" altLang="en-US" smtClean="0"/>
-              <a:t>2022/3/24</a:t>
+              <a:t>2022/3/25</a:t>
             </a:fld>
             <a:endParaRPr lang="zh-TW" altLang="en-US"/>
           </a:p>
@@ -764,7 +769,7 @@
           <a:p>
             <a:fld id="{524E3523-1617-4D8A-A6A6-A0B0E52E1D30}" type="datetimeFigureOut">
               <a:rPr lang="zh-TW" altLang="en-US" smtClean="0"/>
-              <a:t>2022/3/24</a:t>
+              <a:t>2022/3/25</a:t>
             </a:fld>
             <a:endParaRPr lang="zh-TW" altLang="en-US"/>
           </a:p>
@@ -1010,7 +1015,7 @@
           <a:p>
             <a:fld id="{524E3523-1617-4D8A-A6A6-A0B0E52E1D30}" type="datetimeFigureOut">
               <a:rPr lang="zh-TW" altLang="en-US" smtClean="0"/>
-              <a:t>2022/3/24</a:t>
+              <a:t>2022/3/25</a:t>
             </a:fld>
             <a:endParaRPr lang="zh-TW" altLang="en-US"/>
           </a:p>
@@ -1242,7 +1247,7 @@
           <a:p>
             <a:fld id="{524E3523-1617-4D8A-A6A6-A0B0E52E1D30}" type="datetimeFigureOut">
               <a:rPr lang="zh-TW" altLang="en-US" smtClean="0"/>
-              <a:t>2022/3/24</a:t>
+              <a:t>2022/3/25</a:t>
             </a:fld>
             <a:endParaRPr lang="zh-TW" altLang="en-US"/>
           </a:p>
@@ -1609,7 +1614,7 @@
           <a:p>
             <a:fld id="{524E3523-1617-4D8A-A6A6-A0B0E52E1D30}" type="datetimeFigureOut">
               <a:rPr lang="zh-TW" altLang="en-US" smtClean="0"/>
-              <a:t>2022/3/24</a:t>
+              <a:t>2022/3/25</a:t>
             </a:fld>
             <a:endParaRPr lang="zh-TW" altLang="en-US"/>
           </a:p>
@@ -1727,7 +1732,7 @@
           <a:p>
             <a:fld id="{524E3523-1617-4D8A-A6A6-A0B0E52E1D30}" type="datetimeFigureOut">
               <a:rPr lang="zh-TW" altLang="en-US" smtClean="0"/>
-              <a:t>2022/3/24</a:t>
+              <a:t>2022/3/25</a:t>
             </a:fld>
             <a:endParaRPr lang="zh-TW" altLang="en-US"/>
           </a:p>
@@ -1822,7 +1827,7 @@
           <a:p>
             <a:fld id="{524E3523-1617-4D8A-A6A6-A0B0E52E1D30}" type="datetimeFigureOut">
               <a:rPr lang="zh-TW" altLang="en-US" smtClean="0"/>
-              <a:t>2022/3/24</a:t>
+              <a:t>2022/3/25</a:t>
             </a:fld>
             <a:endParaRPr lang="zh-TW" altLang="en-US"/>
           </a:p>
@@ -2099,7 +2104,7 @@
           <a:p>
             <a:fld id="{524E3523-1617-4D8A-A6A6-A0B0E52E1D30}" type="datetimeFigureOut">
               <a:rPr lang="zh-TW" altLang="en-US" smtClean="0"/>
-              <a:t>2022/3/24</a:t>
+              <a:t>2022/3/25</a:t>
             </a:fld>
             <a:endParaRPr lang="zh-TW" altLang="en-US"/>
           </a:p>
@@ -2352,7 +2357,7 @@
           <a:p>
             <a:fld id="{524E3523-1617-4D8A-A6A6-A0B0E52E1D30}" type="datetimeFigureOut">
               <a:rPr lang="zh-TW" altLang="en-US" smtClean="0"/>
-              <a:t>2022/3/24</a:t>
+              <a:t>2022/3/25</a:t>
             </a:fld>
             <a:endParaRPr lang="zh-TW" altLang="en-US"/>
           </a:p>
@@ -2565,7 +2570,7 @@
           <a:p>
             <a:fld id="{524E3523-1617-4D8A-A6A6-A0B0E52E1D30}" type="datetimeFigureOut">
               <a:rPr lang="zh-TW" altLang="en-US" smtClean="0"/>
-              <a:t>2022/3/24</a:t>
+              <a:t>2022/3/25</a:t>
             </a:fld>
             <a:endParaRPr lang="zh-TW" altLang="en-US"/>
           </a:p>
@@ -3044,8 +3049,8 @@
           <a:chExt cx="0" cy="0"/>
         </a:xfrm>
       </p:grpSpPr>
-      <mc:AlternateContent xmlns:mc="http://schemas.openxmlformats.org/markup-compatibility/2006">
-        <mc:Choice xmlns:a14="http://schemas.microsoft.com/office/drawing/2010/main" Requires="a14">
+      <mc:AlternateContent xmlns:mc="http://schemas.openxmlformats.org/markup-compatibility/2006" xmlns:a14="http://schemas.microsoft.com/office/drawing/2010/main">
+        <mc:Choice Requires="a14">
           <p:sp>
             <p:nvSpPr>
               <p:cNvPr id="4" name="文字方塊 3"/>
@@ -3489,7 +3494,7 @@
                               <m:sSub>
                                 <m:sSubPr>
                                   <m:ctrlPr>
-                                    <a:rPr lang="en-US" altLang="zh-TW" sz="3600" b="0" i="0" smtClean="0">
+                                    <a:rPr lang="en-US" altLang="zh-TW" sz="3600" b="0" i="1" smtClean="0">
                                       <a:solidFill>
                                         <a:srgbClr val="FF0000"/>
                                       </a:solidFill>
@@ -3544,7 +3549,7 @@
             </p:txBody>
           </p:sp>
         </mc:Choice>
-        <mc:Fallback>
+        <mc:Fallback xmlns="">
           <p:sp>
             <p:nvSpPr>
               <p:cNvPr id="4" name="文字方塊 3"/>
@@ -3583,8 +3588,8 @@
           </p:sp>
         </mc:Fallback>
       </mc:AlternateContent>
-      <mc:AlternateContent xmlns:mc="http://schemas.openxmlformats.org/markup-compatibility/2006">
-        <mc:Choice xmlns:a14="http://schemas.microsoft.com/office/drawing/2010/main" Requires="a14">
+      <mc:AlternateContent xmlns:mc="http://schemas.openxmlformats.org/markup-compatibility/2006" xmlns:a14="http://schemas.microsoft.com/office/drawing/2010/main">
+        <mc:Choice Requires="a14">
           <p:sp>
             <p:nvSpPr>
               <p:cNvPr id="5" name="文字方塊 4"/>
@@ -4097,7 +4102,7 @@
             </p:txBody>
           </p:sp>
         </mc:Choice>
-        <mc:Fallback>
+        <mc:Fallback xmlns="">
           <p:sp>
             <p:nvSpPr>
               <p:cNvPr id="5" name="文字方塊 4"/>
@@ -4136,8 +4141,8 @@
           </p:sp>
         </mc:Fallback>
       </mc:AlternateContent>
-      <mc:AlternateContent xmlns:mc="http://schemas.openxmlformats.org/markup-compatibility/2006">
-        <mc:Choice xmlns:a14="http://schemas.microsoft.com/office/drawing/2010/main" Requires="a14">
+      <mc:AlternateContent xmlns:mc="http://schemas.openxmlformats.org/markup-compatibility/2006" xmlns:a14="http://schemas.microsoft.com/office/drawing/2010/main">
+        <mc:Choice Requires="a14">
           <p:sp>
             <p:nvSpPr>
               <p:cNvPr id="6" name="矩形 5"/>
@@ -4520,7 +4525,7 @@
             </p:txBody>
           </p:sp>
         </mc:Choice>
-        <mc:Fallback>
+        <mc:Fallback xmlns="">
           <p:sp>
             <p:nvSpPr>
               <p:cNvPr id="6" name="矩形 5"/>
@@ -4676,8 +4681,8 @@
           <a:chExt cx="0" cy="0"/>
         </a:xfrm>
       </p:grpSpPr>
-      <mc:AlternateContent xmlns:mc="http://schemas.openxmlformats.org/markup-compatibility/2006">
-        <mc:Choice xmlns:a14="http://schemas.microsoft.com/office/drawing/2010/main" Requires="a14">
+      <mc:AlternateContent xmlns:mc="http://schemas.openxmlformats.org/markup-compatibility/2006" xmlns:a14="http://schemas.microsoft.com/office/drawing/2010/main">
+        <mc:Choice Requires="a14">
           <p:sp>
             <p:nvSpPr>
               <p:cNvPr id="6" name="文字方塊 5"/>
@@ -4710,7 +4715,7 @@
                       <m:d>
                         <m:dPr>
                           <m:ctrlPr>
-                            <a:rPr lang="en-US" altLang="zh-TW" sz="3600" smtClean="0">
+                            <a:rPr lang="en-US" altLang="zh-TW" sz="3600" i="1" smtClean="0">
                               <a:latin typeface="Cambria Math" panose="02040503050406030204" pitchFamily="18" charset="0"/>
                             </a:rPr>
                           </m:ctrlPr>
@@ -4727,7 +4732,7 @@
                                 </m:mc>
                               </m:mcs>
                               <m:ctrlPr>
-                                <a:rPr lang="en-US" altLang="zh-TW" sz="3600" smtClean="0">
+                                <a:rPr lang="en-US" altLang="zh-TW" sz="3600" i="1" smtClean="0">
                                   <a:latin typeface="Cambria Math" panose="02040503050406030204" pitchFamily="18" charset="0"/>
                                 </a:rPr>
                               </m:ctrlPr>
@@ -4745,7 +4750,7 @@
                                       </m:mc>
                                     </m:mcs>
                                     <m:ctrlPr>
-                                      <a:rPr lang="en-US" altLang="zh-TW" sz="3600" smtClean="0">
+                                      <a:rPr lang="en-US" altLang="zh-TW" sz="3600" i="1" smtClean="0">
                                         <a:solidFill>
                                           <a:srgbClr val="0070C0"/>
                                         </a:solidFill>
@@ -4789,7 +4794,7 @@
                                       <m:sSup>
                                         <m:sSupPr>
                                           <m:ctrlPr>
-                                            <a:rPr lang="en-US" altLang="zh-TW" sz="3600" b="0" smtClean="0">
+                                            <a:rPr lang="en-US" altLang="zh-TW" sz="3600" b="0" i="1" smtClean="0">
                                               <a:solidFill>
                                                 <a:srgbClr val="0070C0"/>
                                               </a:solidFill>
@@ -4854,7 +4859,7 @@
                                       </m:mc>
                                     </m:mcs>
                                     <m:ctrlPr>
-                                      <a:rPr lang="en-US" altLang="zh-TW" sz="3600" smtClean="0">
+                                      <a:rPr lang="en-US" altLang="zh-TW" sz="3600" i="1" smtClean="0">
                                         <a:latin typeface="Cambria Math" panose="02040503050406030204" pitchFamily="18" charset="0"/>
                                       </a:rPr>
                                     </m:ctrlPr>
@@ -4896,7 +4901,7 @@
                                       </m:mc>
                                     </m:mcs>
                                     <m:ctrlPr>
-                                      <a:rPr lang="en-US" altLang="zh-TW" sz="3600" smtClean="0">
+                                      <a:rPr lang="en-US" altLang="zh-TW" sz="3600" i="1" smtClean="0">
                                         <a:latin typeface="Cambria Math" panose="02040503050406030204" pitchFamily="18" charset="0"/>
                                       </a:rPr>
                                     </m:ctrlPr>
@@ -4907,7 +4912,7 @@
                                       <m:sSup>
                                         <m:sSupPr>
                                           <m:ctrlPr>
-                                            <a:rPr lang="en-US" altLang="zh-TW" sz="3600">
+                                            <a:rPr lang="en-US" altLang="zh-TW" sz="3600" i="1">
                                               <a:latin typeface="Cambria Math" panose="02040503050406030204" pitchFamily="18" charset="0"/>
                                             </a:rPr>
                                           </m:ctrlPr>
@@ -4953,7 +4958,7 @@
                                       </m:mc>
                                     </m:mcs>
                                     <m:ctrlPr>
-                                      <a:rPr lang="en-US" altLang="zh-TW" sz="3600" smtClean="0">
+                                      <a:rPr lang="en-US" altLang="zh-TW" sz="3600" i="1" smtClean="0">
                                         <a:latin typeface="Cambria Math" panose="02040503050406030204" pitchFamily="18" charset="0"/>
                                       </a:rPr>
                                     </m:ctrlPr>
@@ -5007,7 +5012,7 @@
                       <m:d>
                         <m:dPr>
                           <m:ctrlPr>
-                            <a:rPr lang="en-US" altLang="zh-TW" sz="3600" smtClean="0">
+                            <a:rPr lang="en-US" altLang="zh-TW" sz="3600" i="1" smtClean="0">
                               <a:latin typeface="Cambria Math" panose="02040503050406030204" pitchFamily="18" charset="0"/>
                             </a:rPr>
                           </m:ctrlPr>
@@ -5024,7 +5029,7 @@
                                 </m:mc>
                               </m:mcs>
                               <m:ctrlPr>
-                                <a:rPr lang="en-US" altLang="zh-TW" sz="3600" smtClean="0">
+                                <a:rPr lang="en-US" altLang="zh-TW" sz="3600" i="1" smtClean="0">
                                   <a:latin typeface="Cambria Math" panose="02040503050406030204" pitchFamily="18" charset="0"/>
                                 </a:rPr>
                               </m:ctrlPr>
@@ -5042,7 +5047,7 @@
                                       </m:mc>
                                     </m:mcs>
                                     <m:ctrlPr>
-                                      <a:rPr lang="en-US" altLang="zh-TW" sz="3600" smtClean="0">
+                                      <a:rPr lang="en-US" altLang="zh-TW" sz="3600" i="1" smtClean="0">
                                         <a:latin typeface="Cambria Math" panose="02040503050406030204" pitchFamily="18" charset="0"/>
                                       </a:rPr>
                                     </m:ctrlPr>
@@ -5052,7 +5057,7 @@
                                       <m:sSub>
                                         <m:sSubPr>
                                           <m:ctrlPr>
-                                            <a:rPr lang="en-US" altLang="zh-TW" sz="3600" b="0" smtClean="0">
+                                            <a:rPr lang="en-US" altLang="zh-TW" sz="3600" b="0" i="1" smtClean="0">
                                               <a:latin typeface="Cambria Math" panose="02040503050406030204" pitchFamily="18" charset="0"/>
                                             </a:rPr>
                                           </m:ctrlPr>
@@ -5082,7 +5087,7 @@
                                       <m:sSub>
                                         <m:sSubPr>
                                           <m:ctrlPr>
-                                            <a:rPr lang="en-US" altLang="zh-TW" sz="3600" b="0" smtClean="0">
+                                            <a:rPr lang="en-US" altLang="zh-TW" sz="3600" b="0" i="1" smtClean="0">
                                               <a:latin typeface="Cambria Math" panose="02040503050406030204" pitchFamily="18" charset="0"/>
                                             </a:rPr>
                                           </m:ctrlPr>
@@ -5114,7 +5119,7 @@
                                       <m:sSub>
                                         <m:sSubPr>
                                           <m:ctrlPr>
-                                            <a:rPr lang="en-US" altLang="zh-TW" sz="3600" b="0" smtClean="0">
+                                            <a:rPr lang="en-US" altLang="zh-TW" sz="3600" b="0" i="1" smtClean="0">
                                               <a:latin typeface="Cambria Math" panose="02040503050406030204" pitchFamily="18" charset="0"/>
                                             </a:rPr>
                                           </m:ctrlPr>
@@ -5144,7 +5149,7 @@
                                       <m:sSub>
                                         <m:sSubPr>
                                           <m:ctrlPr>
-                                            <a:rPr lang="en-US" altLang="zh-TW" sz="3600" b="0" smtClean="0">
+                                            <a:rPr lang="en-US" altLang="zh-TW" sz="3600" b="0" i="1" smtClean="0">
                                               <a:latin typeface="Cambria Math" panose="02040503050406030204" pitchFamily="18" charset="0"/>
                                             </a:rPr>
                                           </m:ctrlPr>
@@ -5185,7 +5190,7 @@
                                       </m:mc>
                                     </m:mcs>
                                     <m:ctrlPr>
-                                      <a:rPr lang="en-US" altLang="zh-TW" sz="3600" smtClean="0">
+                                      <a:rPr lang="en-US" altLang="zh-TW" sz="3600" i="1" smtClean="0">
                                         <a:latin typeface="Cambria Math" panose="02040503050406030204" pitchFamily="18" charset="0"/>
                                       </a:rPr>
                                     </m:ctrlPr>
@@ -5195,7 +5200,7 @@
                                       <m:sSub>
                                         <m:sSubPr>
                                           <m:ctrlPr>
-                                            <a:rPr lang="en-US" altLang="zh-TW" sz="3600" b="0" smtClean="0">
+                                            <a:rPr lang="en-US" altLang="zh-TW" sz="3600" b="0" i="1" smtClean="0">
                                               <a:latin typeface="Cambria Math" panose="02040503050406030204" pitchFamily="18" charset="0"/>
                                             </a:rPr>
                                           </m:ctrlPr>
@@ -5220,7 +5225,13 @@
                                             <a:rPr lang="en-US" altLang="zh-TW" sz="3600" b="0" i="0" smtClean="0">
                                               <a:latin typeface="Cambria Math" panose="02040503050406030204" pitchFamily="18" charset="0"/>
                                             </a:rPr>
-                                            <m:t>13</m:t>
+                                            <m:t>1</m:t>
+                                          </m:r>
+                                          <m:r>
+                                            <a:rPr lang="en-US" altLang="zh-TW" sz="3600" b="0" i="0" smtClean="0">
+                                              <a:latin typeface="Cambria Math" panose="02040503050406030204" pitchFamily="18" charset="0"/>
+                                            </a:rPr>
+                                            <m:t>3</m:t>
                                           </m:r>
                                         </m:sub>
                                       </m:sSub>
@@ -5232,7 +5243,7 @@
                                       <m:sSub>
                                         <m:sSubPr>
                                           <m:ctrlPr>
-                                            <a:rPr lang="en-US" altLang="zh-TW" sz="3600" b="0" smtClean="0">
+                                            <a:rPr lang="en-US" altLang="zh-TW" sz="3600" b="0" i="1" smtClean="0">
                                               <a:latin typeface="Cambria Math" panose="02040503050406030204" pitchFamily="18" charset="0"/>
                                             </a:rPr>
                                           </m:ctrlPr>
@@ -5276,7 +5287,7 @@
                                       </m:mc>
                                     </m:mcs>
                                     <m:ctrlPr>
-                                      <a:rPr lang="en-US" altLang="zh-TW" sz="3600" smtClean="0">
+                                      <a:rPr lang="en-US" altLang="zh-TW" sz="3600" i="1" smtClean="0">
                                         <a:latin typeface="Cambria Math" panose="02040503050406030204" pitchFamily="18" charset="0"/>
                                       </a:rPr>
                                     </m:ctrlPr>
@@ -5286,7 +5297,7 @@
                                       <m:sSub>
                                         <m:sSubPr>
                                           <m:ctrlPr>
-                                            <a:rPr lang="en-US" altLang="zh-TW" sz="3600" b="0" smtClean="0">
+                                            <a:rPr lang="en-US" altLang="zh-TW" sz="3600" b="0" i="1" smtClean="0">
                                               <a:latin typeface="Cambria Math" panose="02040503050406030204" pitchFamily="18" charset="0"/>
                                             </a:rPr>
                                           </m:ctrlPr>
@@ -5311,7 +5322,13 @@
                                             <a:rPr lang="en-US" altLang="zh-TW" sz="3600" b="0" i="0" smtClean="0">
                                               <a:latin typeface="Cambria Math" panose="02040503050406030204" pitchFamily="18" charset="0"/>
                                             </a:rPr>
-                                            <m:t>31</m:t>
+                                            <m:t>3</m:t>
+                                          </m:r>
+                                          <m:r>
+                                            <a:rPr lang="en-US" altLang="zh-TW" sz="3600" b="0" i="0" smtClean="0">
+                                              <a:latin typeface="Cambria Math" panose="02040503050406030204" pitchFamily="18" charset="0"/>
+                                            </a:rPr>
+                                            <m:t>1</m:t>
                                           </m:r>
                                         </m:sub>
                                       </m:sSub>
@@ -5320,7 +5337,7 @@
                                       <m:sSub>
                                         <m:sSubPr>
                                           <m:ctrlPr>
-                                            <a:rPr lang="en-US" altLang="zh-TW" sz="3600" b="0" smtClean="0">
+                                            <a:rPr lang="en-US" altLang="zh-TW" sz="3600" b="0" i="1" smtClean="0">
                                               <a:latin typeface="Cambria Math" panose="02040503050406030204" pitchFamily="18" charset="0"/>
                                             </a:rPr>
                                           </m:ctrlPr>
@@ -5365,7 +5382,7 @@
                                       </m:mc>
                                     </m:mcs>
                                     <m:ctrlPr>
-                                      <a:rPr lang="en-US" altLang="zh-TW" sz="3600" smtClean="0">
+                                      <a:rPr lang="en-US" altLang="zh-TW" sz="3600" i="1" smtClean="0">
                                         <a:latin typeface="Cambria Math" panose="02040503050406030204" pitchFamily="18" charset="0"/>
                                       </a:rPr>
                                     </m:ctrlPr>
@@ -5375,7 +5392,7 @@
                                       <m:sSub>
                                         <m:sSubPr>
                                           <m:ctrlPr>
-                                            <a:rPr lang="en-US" altLang="zh-TW" sz="3600" b="0" smtClean="0">
+                                            <a:rPr lang="en-US" altLang="zh-TW" sz="3600" b="0" i="1" smtClean="0">
                                               <a:latin typeface="Cambria Math" panose="02040503050406030204" pitchFamily="18" charset="0"/>
                                             </a:rPr>
                                           </m:ctrlPr>
@@ -5454,7 +5471,7 @@
             </p:txBody>
           </p:sp>
         </mc:Choice>
-        <mc:Fallback>
+        <mc:Fallback xmlns="">
           <p:sp>
             <p:nvSpPr>
               <p:cNvPr id="6" name="文字方塊 5"/>
@@ -5493,8 +5510,8 @@
           </p:sp>
         </mc:Fallback>
       </mc:AlternateContent>
-      <mc:AlternateContent xmlns:mc="http://schemas.openxmlformats.org/markup-compatibility/2006">
-        <mc:Choice xmlns:a14="http://schemas.microsoft.com/office/drawing/2010/main" Requires="a14">
+      <mc:AlternateContent xmlns:mc="http://schemas.openxmlformats.org/markup-compatibility/2006" xmlns:a14="http://schemas.microsoft.com/office/drawing/2010/main">
+        <mc:Choice Requires="a14">
           <p:sp>
             <p:nvSpPr>
               <p:cNvPr id="14" name="文字方塊 13"/>
@@ -5965,7 +5982,7 @@
             </p:txBody>
           </p:sp>
         </mc:Choice>
-        <mc:Fallback>
+        <mc:Fallback xmlns="">
           <p:sp>
             <p:nvSpPr>
               <p:cNvPr id="14" name="文字方塊 13"/>
@@ -6004,8 +6021,8 @@
           </p:sp>
         </mc:Fallback>
       </mc:AlternateContent>
-      <mc:AlternateContent xmlns:mc="http://schemas.openxmlformats.org/markup-compatibility/2006">
-        <mc:Choice xmlns:a14="http://schemas.microsoft.com/office/drawing/2010/main" Requires="a14">
+      <mc:AlternateContent xmlns:mc="http://schemas.openxmlformats.org/markup-compatibility/2006" xmlns:a14="http://schemas.microsoft.com/office/drawing/2010/main">
+        <mc:Choice Requires="a14">
           <p:sp>
             <p:nvSpPr>
               <p:cNvPr id="16" name="矩形 15"/>
@@ -6027,6 +6044,7 @@
               </a:bodyPr>
               <a:lstStyle/>
               <a:p>
+                <a:pPr/>
                 <a14:m>
                   <m:oMathPara xmlns:m="http://schemas.openxmlformats.org/officeDocument/2006/math">
                     <m:oMathParaPr>
@@ -6376,7 +6394,7 @@
             </p:txBody>
           </p:sp>
         </mc:Choice>
-        <mc:Fallback>
+        <mc:Fallback xmlns="">
           <p:sp>
             <p:nvSpPr>
               <p:cNvPr id="16" name="矩形 15"/>
@@ -6519,8 +6537,8 @@
           <a:chExt cx="0" cy="0"/>
         </a:xfrm>
       </p:grpSpPr>
-      <mc:AlternateContent xmlns:mc="http://schemas.openxmlformats.org/markup-compatibility/2006">
-        <mc:Choice xmlns:a14="http://schemas.microsoft.com/office/drawing/2010/main" Requires="a14">
+      <mc:AlternateContent xmlns:mc="http://schemas.openxmlformats.org/markup-compatibility/2006" xmlns:a14="http://schemas.microsoft.com/office/drawing/2010/main">
+        <mc:Choice Requires="a14">
           <p:sp>
             <p:nvSpPr>
               <p:cNvPr id="6" name="文字方塊 5"/>
@@ -6553,7 +6571,7 @@
                       <m:d>
                         <m:dPr>
                           <m:ctrlPr>
-                            <a:rPr lang="en-US" altLang="zh-TW" sz="3600" smtClean="0">
+                            <a:rPr lang="en-US" altLang="zh-TW" sz="3600" i="1" smtClean="0">
                               <a:latin typeface="Cambria Math" panose="02040503050406030204" pitchFamily="18" charset="0"/>
                             </a:rPr>
                           </m:ctrlPr>
@@ -6570,7 +6588,7 @@
                                 </m:mc>
                               </m:mcs>
                               <m:ctrlPr>
-                                <a:rPr lang="en-US" altLang="zh-TW" sz="3600" smtClean="0">
+                                <a:rPr lang="en-US" altLang="zh-TW" sz="3600" i="1" smtClean="0">
                                   <a:latin typeface="Cambria Math" panose="02040503050406030204" pitchFamily="18" charset="0"/>
                                 </a:rPr>
                               </m:ctrlPr>
@@ -6588,7 +6606,7 @@
                                       </m:mc>
                                     </m:mcs>
                                     <m:ctrlPr>
-                                      <a:rPr lang="en-US" altLang="zh-TW" sz="3600" smtClean="0">
+                                      <a:rPr lang="en-US" altLang="zh-TW" sz="3600" i="1" smtClean="0">
                                         <a:latin typeface="Cambria Math" panose="02040503050406030204" pitchFamily="18" charset="0"/>
                                       </a:rPr>
                                     </m:ctrlPr>
@@ -6623,7 +6641,7 @@
                                       <m:sSup>
                                         <m:sSupPr>
                                           <m:ctrlPr>
-                                            <a:rPr lang="en-US" altLang="zh-TW" sz="3600" b="0" smtClean="0">
+                                            <a:rPr lang="en-US" altLang="zh-TW" sz="3600" b="0" i="1" smtClean="0">
                                               <a:solidFill>
                                                 <a:srgbClr val="0070C0"/>
                                               </a:solidFill>
@@ -6688,7 +6706,7 @@
                                       </m:mc>
                                     </m:mcs>
                                     <m:ctrlPr>
-                                      <a:rPr lang="en-US" altLang="zh-TW" sz="3600" smtClean="0">
+                                      <a:rPr lang="en-US" altLang="zh-TW" sz="3600" i="1" smtClean="0">
                                         <a:latin typeface="Cambria Math" panose="02040503050406030204" pitchFamily="18" charset="0"/>
                                       </a:rPr>
                                     </m:ctrlPr>
@@ -6730,7 +6748,7 @@
                                       </m:mc>
                                     </m:mcs>
                                     <m:ctrlPr>
-                                      <a:rPr lang="en-US" altLang="zh-TW" sz="3600" smtClean="0">
+                                      <a:rPr lang="en-US" altLang="zh-TW" sz="3600" i="1" smtClean="0">
                                         <a:latin typeface="Cambria Math" panose="02040503050406030204" pitchFamily="18" charset="0"/>
                                       </a:rPr>
                                     </m:ctrlPr>
@@ -6741,7 +6759,7 @@
                                       <m:sSup>
                                         <m:sSupPr>
                                           <m:ctrlPr>
-                                            <a:rPr lang="en-US" altLang="zh-TW" sz="3600" smtClean="0">
+                                            <a:rPr lang="en-US" altLang="zh-TW" sz="3600" i="1" smtClean="0">
                                               <a:solidFill>
                                                 <a:srgbClr val="0070C0"/>
                                               </a:solidFill>
@@ -6796,7 +6814,7 @@
                                       </m:mc>
                                     </m:mcs>
                                     <m:ctrlPr>
-                                      <a:rPr lang="en-US" altLang="zh-TW" sz="3600" smtClean="0">
+                                      <a:rPr lang="en-US" altLang="zh-TW" sz="3600" i="1" smtClean="0">
                                         <a:latin typeface="Cambria Math" panose="02040503050406030204" pitchFamily="18" charset="0"/>
                                       </a:rPr>
                                     </m:ctrlPr>
@@ -6859,7 +6877,7 @@
                       <m:d>
                         <m:dPr>
                           <m:ctrlPr>
-                            <a:rPr lang="en-US" altLang="zh-TW" sz="3600" smtClean="0">
+                            <a:rPr lang="en-US" altLang="zh-TW" sz="3600" i="1" smtClean="0">
                               <a:latin typeface="Cambria Math" panose="02040503050406030204" pitchFamily="18" charset="0"/>
                             </a:rPr>
                           </m:ctrlPr>
@@ -6876,7 +6894,7 @@
                                 </m:mc>
                               </m:mcs>
                               <m:ctrlPr>
-                                <a:rPr lang="en-US" altLang="zh-TW" sz="3600" smtClean="0">
+                                <a:rPr lang="en-US" altLang="zh-TW" sz="3600" i="1" smtClean="0">
                                   <a:latin typeface="Cambria Math" panose="02040503050406030204" pitchFamily="18" charset="0"/>
                                 </a:rPr>
                               </m:ctrlPr>
@@ -6894,7 +6912,7 @@
                                       </m:mc>
                                     </m:mcs>
                                     <m:ctrlPr>
-                                      <a:rPr lang="en-US" altLang="zh-TW" sz="3600" smtClean="0">
+                                      <a:rPr lang="en-US" altLang="zh-TW" sz="3600" i="1" smtClean="0">
                                         <a:latin typeface="Cambria Math" panose="02040503050406030204" pitchFamily="18" charset="0"/>
                                       </a:rPr>
                                     </m:ctrlPr>
@@ -6904,7 +6922,7 @@
                                       <m:sSub>
                                         <m:sSubPr>
                                           <m:ctrlPr>
-                                            <a:rPr lang="en-US" altLang="zh-TW" sz="3600" b="0" smtClean="0">
+                                            <a:rPr lang="en-US" altLang="zh-TW" sz="3600" b="0" i="1" smtClean="0">
                                               <a:latin typeface="Cambria Math" panose="02040503050406030204" pitchFamily="18" charset="0"/>
                                             </a:rPr>
                                           </m:ctrlPr>
@@ -6934,7 +6952,7 @@
                                       <m:sSub>
                                         <m:sSubPr>
                                           <m:ctrlPr>
-                                            <a:rPr lang="en-US" altLang="zh-TW" sz="3600" b="0" smtClean="0">
+                                            <a:rPr lang="en-US" altLang="zh-TW" sz="3600" b="0" i="1" smtClean="0">
                                               <a:latin typeface="Cambria Math" panose="02040503050406030204" pitchFamily="18" charset="0"/>
                                             </a:rPr>
                                           </m:ctrlPr>
@@ -6966,7 +6984,7 @@
                                       <m:sSub>
                                         <m:sSubPr>
                                           <m:ctrlPr>
-                                            <a:rPr lang="en-US" altLang="zh-TW" sz="3600" b="0" smtClean="0">
+                                            <a:rPr lang="en-US" altLang="zh-TW" sz="3600" b="0" i="1" smtClean="0">
                                               <a:latin typeface="Cambria Math" panose="02040503050406030204" pitchFamily="18" charset="0"/>
                                             </a:rPr>
                                           </m:ctrlPr>
@@ -6996,7 +7014,7 @@
                                       <m:sSub>
                                         <m:sSubPr>
                                           <m:ctrlPr>
-                                            <a:rPr lang="en-US" altLang="zh-TW" sz="3600" b="0" smtClean="0">
+                                            <a:rPr lang="en-US" altLang="zh-TW" sz="3600" b="0" i="1" smtClean="0">
                                               <a:latin typeface="Cambria Math" panose="02040503050406030204" pitchFamily="18" charset="0"/>
                                             </a:rPr>
                                           </m:ctrlPr>
@@ -7037,7 +7055,7 @@
                                       </m:mc>
                                     </m:mcs>
                                     <m:ctrlPr>
-                                      <a:rPr lang="en-US" altLang="zh-TW" sz="3600" smtClean="0">
+                                      <a:rPr lang="en-US" altLang="zh-TW" sz="3600" i="1" smtClean="0">
                                         <a:latin typeface="Cambria Math" panose="02040503050406030204" pitchFamily="18" charset="0"/>
                                       </a:rPr>
                                     </m:ctrlPr>
@@ -7047,7 +7065,7 @@
                                       <m:sSub>
                                         <m:sSubPr>
                                           <m:ctrlPr>
-                                            <a:rPr lang="en-US" altLang="zh-TW" sz="3600" b="0" i="0" smtClean="0">
+                                            <a:rPr lang="en-US" altLang="zh-TW" sz="3600" b="0" i="1" smtClean="0">
                                               <a:latin typeface="Cambria Math" panose="02040503050406030204" pitchFamily="18" charset="0"/>
                                             </a:rPr>
                                           </m:ctrlPr>
@@ -7072,7 +7090,13 @@
                                             <a:rPr lang="en-US" altLang="zh-TW" sz="3600" b="0" i="0" smtClean="0">
                                               <a:latin typeface="Cambria Math" panose="02040503050406030204" pitchFamily="18" charset="0"/>
                                             </a:rPr>
-                                            <m:t>13</m:t>
+                                            <m:t>1</m:t>
+                                          </m:r>
+                                          <m:r>
+                                            <a:rPr lang="en-US" altLang="zh-TW" sz="3600" b="0" i="0" smtClean="0">
+                                              <a:latin typeface="Cambria Math" panose="02040503050406030204" pitchFamily="18" charset="0"/>
+                                            </a:rPr>
+                                            <m:t>3</m:t>
                                           </m:r>
                                         </m:sub>
                                       </m:sSub>
@@ -7084,7 +7108,7 @@
                                       <m:sSub>
                                         <m:sSubPr>
                                           <m:ctrlPr>
-                                            <a:rPr lang="en-US" altLang="zh-TW" sz="3600" b="0" smtClean="0">
+                                            <a:rPr lang="en-US" altLang="zh-TW" sz="3600" b="0" i="1" smtClean="0">
                                               <a:latin typeface="Cambria Math" panose="02040503050406030204" pitchFamily="18" charset="0"/>
                                             </a:rPr>
                                           </m:ctrlPr>
@@ -7128,7 +7152,7 @@
                                       </m:mc>
                                     </m:mcs>
                                     <m:ctrlPr>
-                                      <a:rPr lang="en-US" altLang="zh-TW" sz="3600" smtClean="0">
+                                      <a:rPr lang="en-US" altLang="zh-TW" sz="3600" i="1" smtClean="0">
                                         <a:latin typeface="Cambria Math" panose="02040503050406030204" pitchFamily="18" charset="0"/>
                                       </a:rPr>
                                     </m:ctrlPr>
@@ -7138,7 +7162,7 @@
                                       <m:sSub>
                                         <m:sSubPr>
                                           <m:ctrlPr>
-                                            <a:rPr lang="en-US" altLang="zh-TW" sz="3600" b="0" smtClean="0">
+                                            <a:rPr lang="en-US" altLang="zh-TW" sz="3600" b="0" i="1" smtClean="0">
                                               <a:latin typeface="Cambria Math" panose="02040503050406030204" pitchFamily="18" charset="0"/>
                                             </a:rPr>
                                           </m:ctrlPr>
@@ -7163,7 +7187,13 @@
                                             <a:rPr lang="en-US" altLang="zh-TW" sz="3600" b="0" i="0" smtClean="0">
                                               <a:latin typeface="Cambria Math" panose="02040503050406030204" pitchFamily="18" charset="0"/>
                                             </a:rPr>
-                                            <m:t>31</m:t>
+                                            <m:t>3</m:t>
+                                          </m:r>
+                                          <m:r>
+                                            <a:rPr lang="en-US" altLang="zh-TW" sz="3600" b="0" i="0" smtClean="0">
+                                              <a:latin typeface="Cambria Math" panose="02040503050406030204" pitchFamily="18" charset="0"/>
+                                            </a:rPr>
+                                            <m:t>1</m:t>
                                           </m:r>
                                         </m:sub>
                                       </m:sSub>
@@ -7172,7 +7202,7 @@
                                       <m:sSub>
                                         <m:sSubPr>
                                           <m:ctrlPr>
-                                            <a:rPr lang="en-US" altLang="zh-TW" sz="3600" b="0" smtClean="0">
+                                            <a:rPr lang="en-US" altLang="zh-TW" sz="3600" b="0" i="1" smtClean="0">
                                               <a:latin typeface="Cambria Math" panose="02040503050406030204" pitchFamily="18" charset="0"/>
                                             </a:rPr>
                                           </m:ctrlPr>
@@ -7217,7 +7247,7 @@
                                       </m:mc>
                                     </m:mcs>
                                     <m:ctrlPr>
-                                      <a:rPr lang="en-US" altLang="zh-TW" sz="3600" smtClean="0">
+                                      <a:rPr lang="en-US" altLang="zh-TW" sz="3600" i="1" smtClean="0">
                                         <a:latin typeface="Cambria Math" panose="02040503050406030204" pitchFamily="18" charset="0"/>
                                       </a:rPr>
                                     </m:ctrlPr>
@@ -7227,7 +7257,7 @@
                                       <m:sSub>
                                         <m:sSubPr>
                                           <m:ctrlPr>
-                                            <a:rPr lang="en-US" altLang="zh-TW" sz="3600" b="0" smtClean="0">
+                                            <a:rPr lang="en-US" altLang="zh-TW" sz="3600" b="0" i="1" smtClean="0">
                                               <a:latin typeface="Cambria Math" panose="02040503050406030204" pitchFamily="18" charset="0"/>
                                             </a:rPr>
                                           </m:ctrlPr>
@@ -7306,7 +7336,7 @@
             </p:txBody>
           </p:sp>
         </mc:Choice>
-        <mc:Fallback>
+        <mc:Fallback xmlns="">
           <p:sp>
             <p:nvSpPr>
               <p:cNvPr id="6" name="文字方塊 5"/>
@@ -7345,8 +7375,8 @@
           </p:sp>
         </mc:Fallback>
       </mc:AlternateContent>
-      <mc:AlternateContent xmlns:mc="http://schemas.openxmlformats.org/markup-compatibility/2006">
-        <mc:Choice xmlns:a14="http://schemas.microsoft.com/office/drawing/2010/main" Requires="a14">
+      <mc:AlternateContent xmlns:mc="http://schemas.openxmlformats.org/markup-compatibility/2006" xmlns:a14="http://schemas.microsoft.com/office/drawing/2010/main">
+        <mc:Choice Requires="a14">
           <p:sp>
             <p:nvSpPr>
               <p:cNvPr id="14" name="文字方塊 13"/>
@@ -8005,16 +8035,7 @@
                                       </a:solidFill>
                                       <a:latin typeface="Cambria Math" panose="02040503050406030204" pitchFamily="18" charset="0"/>
                                     </a:rPr>
-                                    <m:t>3</m:t>
-                                  </m:r>
-                                  <m:r>
-                                    <a:rPr lang="en-US" altLang="zh-TW" sz="3600" b="0" i="0" smtClean="0">
-                                      <a:solidFill>
-                                        <a:srgbClr val="FF0000"/>
-                                      </a:solidFill>
-                                      <a:latin typeface="Cambria Math" panose="02040503050406030204" pitchFamily="18" charset="0"/>
-                                    </a:rPr>
-                                    <m:t>3</m:t>
+                                    <m:t>33</m:t>
                                   </m:r>
                                 </m:sub>
                               </m:sSub>
@@ -8199,7 +8220,7 @@
             </p:txBody>
           </p:sp>
         </mc:Choice>
-        <mc:Fallback>
+        <mc:Fallback xmlns="">
           <p:sp>
             <p:nvSpPr>
               <p:cNvPr id="14" name="文字方塊 13"/>
@@ -8238,8 +8259,8 @@
           </p:sp>
         </mc:Fallback>
       </mc:AlternateContent>
-      <mc:AlternateContent xmlns:mc="http://schemas.openxmlformats.org/markup-compatibility/2006">
-        <mc:Choice xmlns:a14="http://schemas.microsoft.com/office/drawing/2010/main" Requires="a14">
+      <mc:AlternateContent xmlns:mc="http://schemas.openxmlformats.org/markup-compatibility/2006" xmlns:a14="http://schemas.microsoft.com/office/drawing/2010/main">
+        <mc:Choice Requires="a14">
           <p:sp>
             <p:nvSpPr>
               <p:cNvPr id="16" name="矩形 15"/>
@@ -8261,6 +8282,7 @@
               </a:bodyPr>
               <a:lstStyle/>
               <a:p>
+                <a:pPr/>
                 <a14:m>
                   <m:oMathPara xmlns:m="http://schemas.openxmlformats.org/officeDocument/2006/math">
                     <m:oMathParaPr>
@@ -8877,16 +8899,7 @@
                               </a:solidFill>
                               <a:latin typeface="Cambria Math" panose="02040503050406030204" pitchFamily="18" charset="0"/>
                             </a:rPr>
-                            <m:t>5</m:t>
-                          </m:r>
-                          <m:r>
-                            <a:rPr lang="en-US" altLang="zh-TW" sz="2600" b="0" i="0" smtClean="0">
-                              <a:solidFill>
-                                <a:srgbClr val="FF0000"/>
-                              </a:solidFill>
-                              <a:latin typeface="Cambria Math" panose="02040503050406030204" pitchFamily="18" charset="0"/>
-                            </a:rPr>
-                            <m:t>3</m:t>
+                            <m:t>53</m:t>
                           </m:r>
                         </m:sub>
                       </m:sSub>
@@ -8910,7 +8923,7 @@
             </p:txBody>
           </p:sp>
         </mc:Choice>
-        <mc:Fallback>
+        <mc:Fallback xmlns="">
           <p:sp>
             <p:nvSpPr>
               <p:cNvPr id="16" name="矩形 15"/>
@@ -9402,8 +9415,8 @@
           <a:chExt cx="0" cy="0"/>
         </a:xfrm>
       </p:grpSpPr>
-      <mc:AlternateContent xmlns:mc="http://schemas.openxmlformats.org/markup-compatibility/2006">
-        <mc:Choice xmlns:a14="http://schemas.microsoft.com/office/drawing/2010/main" Requires="a14">
+      <mc:AlternateContent xmlns:mc="http://schemas.openxmlformats.org/markup-compatibility/2006" xmlns:a14="http://schemas.microsoft.com/office/drawing/2010/main">
+        <mc:Choice Requires="a14">
           <p:sp>
             <p:nvSpPr>
               <p:cNvPr id="4" name="矩形 3"/>
@@ -9425,6 +9438,7 @@
               </a:bodyPr>
               <a:lstStyle/>
               <a:p>
+                <a:pPr/>
                 <a14:m>
                   <m:oMathPara xmlns:m="http://schemas.openxmlformats.org/officeDocument/2006/math">
                     <m:oMathParaPr>
@@ -9774,7 +9788,7 @@
             </p:txBody>
           </p:sp>
         </mc:Choice>
-        <mc:Fallback>
+        <mc:Fallback xmlns="">
           <p:sp>
             <p:nvSpPr>
               <p:cNvPr id="4" name="矩形 3"/>
@@ -9813,8 +9827,8 @@
           </p:sp>
         </mc:Fallback>
       </mc:AlternateContent>
-      <mc:AlternateContent xmlns:mc="http://schemas.openxmlformats.org/markup-compatibility/2006">
-        <mc:Choice xmlns:a14="http://schemas.microsoft.com/office/drawing/2010/main" Requires="a14">
+      <mc:AlternateContent xmlns:mc="http://schemas.openxmlformats.org/markup-compatibility/2006" xmlns:a14="http://schemas.microsoft.com/office/drawing/2010/main">
+        <mc:Choice Requires="a14">
           <p:sp>
             <p:nvSpPr>
               <p:cNvPr id="5" name="矩形 4"/>
@@ -9836,6 +9850,7 @@
               </a:bodyPr>
               <a:lstStyle/>
               <a:p>
+                <a:pPr/>
                 <a14:m>
                   <m:oMathPara xmlns:m="http://schemas.openxmlformats.org/officeDocument/2006/math">
                     <m:oMathParaPr>
@@ -10452,16 +10467,7 @@
                               </a:solidFill>
                               <a:latin typeface="Cambria Math" panose="02040503050406030204" pitchFamily="18" charset="0"/>
                             </a:rPr>
-                            <m:t>5</m:t>
-                          </m:r>
-                          <m:r>
-                            <a:rPr lang="en-US" altLang="zh-TW" sz="2600" b="0" i="0" smtClean="0">
-                              <a:solidFill>
-                                <a:srgbClr val="FF0000"/>
-                              </a:solidFill>
-                              <a:latin typeface="Cambria Math" panose="02040503050406030204" pitchFamily="18" charset="0"/>
-                            </a:rPr>
-                            <m:t>3</m:t>
+                            <m:t>53</m:t>
                           </m:r>
                         </m:sub>
                       </m:sSub>
@@ -10485,7 +10491,7 @@
             </p:txBody>
           </p:sp>
         </mc:Choice>
-        <mc:Fallback>
+        <mc:Fallback xmlns="">
           <p:sp>
             <p:nvSpPr>
               <p:cNvPr id="5" name="矩形 4"/>
@@ -10567,8 +10573,8 @@
           </a:p>
         </p:txBody>
       </p:sp>
-      <mc:AlternateContent xmlns:mc="http://schemas.openxmlformats.org/markup-compatibility/2006">
-        <mc:Choice xmlns:a14="http://schemas.microsoft.com/office/drawing/2010/main" Requires="a14">
+      <mc:AlternateContent xmlns:mc="http://schemas.openxmlformats.org/markup-compatibility/2006" xmlns:a14="http://schemas.microsoft.com/office/drawing/2010/main">
+        <mc:Choice Requires="a14">
           <p:sp>
             <p:nvSpPr>
               <p:cNvPr id="7" name="矩形 6"/>
@@ -10590,6 +10596,7 @@
               </a:bodyPr>
               <a:lstStyle/>
               <a:p>
+                <a:pPr/>
                 <a14:m>
                   <m:oMathPara xmlns:m="http://schemas.openxmlformats.org/officeDocument/2006/math">
                     <m:oMathParaPr>
@@ -10599,7 +10606,7 @@
                       <m:d>
                         <m:dPr>
                           <m:ctrlPr>
-                            <a:rPr lang="en-US" altLang="zh-TW" sz="4400" smtClean="0">
+                            <a:rPr lang="en-US" altLang="zh-TW" sz="4400" i="1" smtClean="0">
                               <a:latin typeface="Cambria Math" panose="02040503050406030204" pitchFamily="18" charset="0"/>
                             </a:rPr>
                           </m:ctrlPr>
@@ -10623,7 +10630,7 @@
                           <m:sSub>
                             <m:sSubPr>
                               <m:ctrlPr>
-                                <a:rPr lang="en-US" altLang="zh-TW" sz="4400" b="0" smtClean="0">
+                                <a:rPr lang="en-US" altLang="zh-TW" sz="4400" b="0" i="1" smtClean="0">
                                   <a:solidFill>
                                     <a:schemeClr val="accent2"/>
                                   </a:solidFill>
@@ -10668,7 +10675,7 @@
                       <m:sSub>
                         <m:sSubPr>
                           <m:ctrlPr>
-                            <a:rPr lang="en-US" altLang="zh-TW" sz="4400">
+                            <a:rPr lang="en-US" altLang="zh-TW" sz="4400" i="1">
                               <a:solidFill>
                                 <a:srgbClr val="FF0000"/>
                               </a:solidFill>
@@ -10681,7 +10688,7 @@
                             <m:accPr>
                               <m:chr m:val="̃"/>
                               <m:ctrlPr>
-                                <a:rPr lang="en-US" altLang="zh-TW" sz="4400" smtClean="0">
+                                <a:rPr lang="en-US" altLang="zh-TW" sz="4400" i="1" smtClean="0">
                                   <a:solidFill>
                                     <a:srgbClr val="FF0000"/>
                                   </a:solidFill>
@@ -10727,7 +10734,7 @@
                         <m:accPr>
                           <m:chr m:val="̃"/>
                           <m:ctrlPr>
-                            <a:rPr lang="en-US" altLang="zh-TW" sz="4400" b="0" smtClean="0">
+                            <a:rPr lang="en-US" altLang="zh-TW" sz="4400" b="0" i="1" smtClean="0">
                               <a:solidFill>
                                 <a:schemeClr val="accent2"/>
                               </a:solidFill>
@@ -10753,7 +10760,7 @@
                       <m:sSub>
                         <m:sSubPr>
                           <m:ctrlPr>
-                            <a:rPr lang="en-US" altLang="zh-TW" sz="4400">
+                            <a:rPr lang="en-US" altLang="zh-TW" sz="4400" i="1">
                               <a:solidFill>
                                 <a:srgbClr val="FF0000"/>
                               </a:solidFill>
@@ -10766,7 +10773,7 @@
                             <m:accPr>
                               <m:chr m:val="̃"/>
                               <m:ctrlPr>
-                                <a:rPr lang="en-US" altLang="zh-TW" sz="4400" smtClean="0">
+                                <a:rPr lang="en-US" altLang="zh-TW" sz="4400" i="1" smtClean="0">
                                   <a:solidFill>
                                     <a:srgbClr val="FF0000"/>
                                   </a:solidFill>
@@ -10831,7 +10838,7 @@
             </p:txBody>
           </p:sp>
         </mc:Choice>
-        <mc:Fallback>
+        <mc:Fallback xmlns="">
           <p:sp>
             <p:nvSpPr>
               <p:cNvPr id="7" name="矩形 6"/>
@@ -10870,8 +10877,8 @@
           </p:sp>
         </mc:Fallback>
       </mc:AlternateContent>
-      <mc:AlternateContent xmlns:mc="http://schemas.openxmlformats.org/markup-compatibility/2006">
-        <mc:Choice xmlns:a14="http://schemas.microsoft.com/office/drawing/2010/main" Requires="a14">
+      <mc:AlternateContent xmlns:mc="http://schemas.openxmlformats.org/markup-compatibility/2006" xmlns:a14="http://schemas.microsoft.com/office/drawing/2010/main">
+        <mc:Choice Requires="a14">
           <p:sp>
             <p:nvSpPr>
               <p:cNvPr id="8" name="矩形 7"/>
@@ -10893,6 +10900,7 @@
               </a:bodyPr>
               <a:lstStyle/>
               <a:p>
+                <a:pPr/>
                 <a14:m>
                   <m:oMathPara xmlns:m="http://schemas.openxmlformats.org/officeDocument/2006/math">
                     <m:oMathParaPr>
@@ -10902,7 +10910,7 @@
                       <m:d>
                         <m:dPr>
                           <m:ctrlPr>
-                            <a:rPr lang="en-US" altLang="zh-TW" sz="4400" smtClean="0">
+                            <a:rPr lang="en-US" altLang="zh-TW" sz="4400" i="1" smtClean="0">
                               <a:latin typeface="Cambria Math" panose="02040503050406030204" pitchFamily="18" charset="0"/>
                             </a:rPr>
                           </m:ctrlPr>
@@ -10926,7 +10934,7 @@
                           <m:sSub>
                             <m:sSubPr>
                               <m:ctrlPr>
-                                <a:rPr lang="en-US" altLang="zh-TW" sz="4400" b="0" smtClean="0">
+                                <a:rPr lang="en-US" altLang="zh-TW" sz="4400" b="0" i="1" smtClean="0">
                                   <a:solidFill>
                                     <a:schemeClr val="accent2"/>
                                   </a:solidFill>
@@ -10971,7 +10979,7 @@
                       <m:sSub>
                         <m:sSubPr>
                           <m:ctrlPr>
-                            <a:rPr lang="en-US" altLang="zh-TW" sz="4400">
+                            <a:rPr lang="en-US" altLang="zh-TW" sz="4400" i="1">
                               <a:solidFill>
                                 <a:srgbClr val="FF0000"/>
                               </a:solidFill>
@@ -10984,7 +10992,7 @@
                             <m:accPr>
                               <m:chr m:val="̃"/>
                               <m:ctrlPr>
-                                <a:rPr lang="en-US" altLang="zh-TW" sz="4400" smtClean="0">
+                                <a:rPr lang="en-US" altLang="zh-TW" sz="4400" i="1" smtClean="0">
                                   <a:solidFill>
                                     <a:srgbClr val="FF0000"/>
                                   </a:solidFill>
@@ -11029,7 +11037,7 @@
                       <m:sSup>
                         <m:sSupPr>
                           <m:ctrlPr>
-                            <a:rPr lang="en-US" altLang="zh-TW" sz="4400" b="0" smtClean="0">
+                            <a:rPr lang="en-US" altLang="zh-TW" sz="4400" b="0" i="1" smtClean="0">
                               <a:solidFill>
                                 <a:schemeClr val="accent2"/>
                               </a:solidFill>
@@ -11042,7 +11050,7 @@
                             <m:accPr>
                               <m:chr m:val="̃"/>
                               <m:ctrlPr>
-                                <a:rPr lang="en-US" altLang="zh-TW" sz="4400" b="0" smtClean="0">
+                                <a:rPr lang="en-US" altLang="zh-TW" sz="4400" b="0" i="1" smtClean="0">
                                   <a:solidFill>
                                     <a:schemeClr val="accent2"/>
                                   </a:solidFill>
@@ -11082,7 +11090,7 @@
                       <m:sSub>
                         <m:sSubPr>
                           <m:ctrlPr>
-                            <a:rPr lang="en-US" altLang="zh-TW" sz="4400">
+                            <a:rPr lang="en-US" altLang="zh-TW" sz="4400" i="1">
                               <a:solidFill>
                                 <a:srgbClr val="FF0000"/>
                               </a:solidFill>
@@ -11095,7 +11103,7 @@
                             <m:accPr>
                               <m:chr m:val="̃"/>
                               <m:ctrlPr>
-                                <a:rPr lang="en-US" altLang="zh-TW" sz="4400" smtClean="0">
+                                <a:rPr lang="en-US" altLang="zh-TW" sz="4400" i="1" smtClean="0">
                                   <a:solidFill>
                                     <a:srgbClr val="FF0000"/>
                                   </a:solidFill>
@@ -11141,7 +11149,7 @@
                         <m:accPr>
                           <m:chr m:val="̃"/>
                           <m:ctrlPr>
-                            <a:rPr lang="en-US" altLang="zh-TW" sz="4400" b="0" smtClean="0">
+                            <a:rPr lang="en-US" altLang="zh-TW" sz="4400" b="0" i="1" smtClean="0">
                               <a:solidFill>
                                 <a:schemeClr val="accent2"/>
                               </a:solidFill>
@@ -11167,7 +11175,7 @@
                       <m:sSub>
                         <m:sSubPr>
                           <m:ctrlPr>
-                            <a:rPr lang="en-US" altLang="zh-TW" sz="4400" b="0" smtClean="0">
+                            <a:rPr lang="en-US" altLang="zh-TW" sz="4400" b="0" i="1" smtClean="0">
                               <a:solidFill>
                                 <a:srgbClr val="FF0000"/>
                               </a:solidFill>
@@ -11180,7 +11188,7 @@
                             <m:accPr>
                               <m:chr m:val="̃"/>
                               <m:ctrlPr>
-                                <a:rPr lang="en-US" altLang="zh-TW" sz="4400" smtClean="0">
+                                <a:rPr lang="en-US" altLang="zh-TW" sz="4400" i="1" smtClean="0">
                                   <a:solidFill>
                                     <a:srgbClr val="FF0000"/>
                                   </a:solidFill>
@@ -11236,7 +11244,7 @@
             </p:txBody>
           </p:sp>
         </mc:Choice>
-        <mc:Fallback>
+        <mc:Fallback xmlns="">
           <p:sp>
             <p:nvSpPr>
               <p:cNvPr id="8" name="矩形 7"/>
@@ -11615,8 +11623,8 @@
           </a:prstGeom>
         </p:spPr>
       </p:pic>
-      <mc:AlternateContent xmlns:mc="http://schemas.openxmlformats.org/markup-compatibility/2006">
-        <mc:Choice xmlns:a14="http://schemas.microsoft.com/office/drawing/2010/main" Requires="a14">
+      <mc:AlternateContent xmlns:mc="http://schemas.openxmlformats.org/markup-compatibility/2006" xmlns:a14="http://schemas.microsoft.com/office/drawing/2010/main">
+        <mc:Choice Requires="a14">
           <p:sp>
             <p:nvSpPr>
               <p:cNvPr id="6" name="文字方塊 5"/>
@@ -11964,7 +11972,7 @@
             </p:txBody>
           </p:sp>
         </mc:Choice>
-        <mc:Fallback>
+        <mc:Fallback xmlns="">
           <p:sp>
             <p:nvSpPr>
               <p:cNvPr id="6" name="文字方塊 5"/>
@@ -12013,7 +12021,7 @@
             </p:nvSpPr>
             <p:spPr>
               <a:xfrm>
-                <a:off x="588207" y="3436736"/>
+                <a:off x="393474" y="3360536"/>
                 <a:ext cx="4776820" cy="1012521"/>
               </a:xfrm>
               <a:prstGeom prst="rect">
@@ -12254,7 +12262,7 @@
             </p:nvSpPr>
             <p:spPr>
               <a:xfrm>
-                <a:off x="588207" y="3436736"/>
+                <a:off x="393474" y="3360536"/>
                 <a:ext cx="4776820" cy="1012521"/>
               </a:xfrm>
               <a:prstGeom prst="rect">
@@ -12376,8 +12384,8 @@
           </a:p>
         </p:txBody>
       </p:sp>
-      <mc:AlternateContent xmlns:mc="http://schemas.openxmlformats.org/markup-compatibility/2006">
-        <mc:Choice xmlns:a14="http://schemas.microsoft.com/office/drawing/2010/main" Requires="a14">
+      <mc:AlternateContent xmlns:mc="http://schemas.openxmlformats.org/markup-compatibility/2006" xmlns:a14="http://schemas.microsoft.com/office/drawing/2010/main">
+        <mc:Choice Requires="a14">
           <p:sp>
             <p:nvSpPr>
               <p:cNvPr id="11" name="文字方塊 10"/>
@@ -12491,7 +12499,7 @@
             </p:txBody>
           </p:sp>
         </mc:Choice>
-        <mc:Fallback>
+        <mc:Fallback xmlns="">
           <p:sp>
             <p:nvSpPr>
               <p:cNvPr id="11" name="文字方塊 10"/>
@@ -12530,8 +12538,8 @@
           </p:sp>
         </mc:Fallback>
       </mc:AlternateContent>
-      <mc:AlternateContent xmlns:mc="http://schemas.openxmlformats.org/markup-compatibility/2006">
-        <mc:Choice xmlns:a14="http://schemas.microsoft.com/office/drawing/2010/main" Requires="a14">
+      <mc:AlternateContent xmlns:mc="http://schemas.openxmlformats.org/markup-compatibility/2006" xmlns:a14="http://schemas.microsoft.com/office/drawing/2010/main">
+        <mc:Choice Requires="a14">
           <p:sp>
             <p:nvSpPr>
               <p:cNvPr id="12" name="文字方塊 11"/>
@@ -12645,7 +12653,7 @@
             </p:txBody>
           </p:sp>
         </mc:Choice>
-        <mc:Fallback>
+        <mc:Fallback xmlns="">
           <p:sp>
             <p:nvSpPr>
               <p:cNvPr id="12" name="文字方塊 11"/>
@@ -12694,8 +12702,8 @@
             </p:nvSpPr>
             <p:spPr>
               <a:xfrm>
-                <a:off x="197682" y="4973229"/>
-                <a:ext cx="12135245" cy="848117"/>
+                <a:off x="87615" y="5040585"/>
+                <a:ext cx="12199878" cy="800925"/>
               </a:xfrm>
               <a:prstGeom prst="rect">
                 <a:avLst/>
@@ -12708,9 +12716,8 @@
               </a:bodyPr>
               <a:lstStyle/>
               <a:p>
-                <a:pPr/>
                 <a:r>
-                  <a:rPr lang="en-US" altLang="zh-TW" sz="3600" b="0" dirty="0" smtClean="0">
+                  <a:rPr lang="en-US" altLang="zh-TW" sz="3400" b="0" dirty="0" smtClean="0">
                     <a:solidFill>
                       <a:srgbClr val="0070C0"/>
                     </a:solidFill>
@@ -12718,23 +12725,56 @@
                   <a:t>Total</a:t>
                 </a:r>
                 <a:r>
-                  <a:rPr lang="en-US" altLang="zh-TW" sz="3600" b="0" dirty="0" smtClean="0"/>
+                  <a:rPr lang="en-US" altLang="zh-TW" sz="3400" b="0" dirty="0" smtClean="0"/>
                   <a:t> Spectral Weight </a:t>
                 </a:r>
                 <a14:m>
                   <m:oMath xmlns:m="http://schemas.openxmlformats.org/officeDocument/2006/math">
+                    <m:sSub>
+                      <m:sSubPr>
+                        <m:ctrlPr>
+                          <a:rPr lang="en-US" altLang="zh-TW" sz="3400" b="0" i="0" smtClean="0">
+                            <a:solidFill>
+                              <a:srgbClr val="0070C0"/>
+                            </a:solidFill>
+                            <a:latin typeface="Cambria Math" panose="02040503050406030204" pitchFamily="18" charset="0"/>
+                            <a:ea typeface="Cambria Math" panose="02040503050406030204" pitchFamily="18" charset="0"/>
+                          </a:rPr>
+                        </m:ctrlPr>
+                      </m:sSubPr>
+                      <m:e>
+                        <m:r>
+                          <m:rPr>
+                            <m:sty m:val="p"/>
+                          </m:rPr>
+                          <a:rPr lang="en-US" altLang="zh-TW" sz="3400" b="0" i="0" smtClean="0">
+                            <a:solidFill>
+                              <a:schemeClr val="tx1"/>
+                            </a:solidFill>
+                            <a:latin typeface="Cambria Math" panose="02040503050406030204" pitchFamily="18" charset="0"/>
+                            <a:ea typeface="Cambria Math" panose="02040503050406030204" pitchFamily="18" charset="0"/>
+                          </a:rPr>
+                          <m:t>A</m:t>
+                        </m:r>
+                      </m:e>
+                      <m:sub>
+                        <m:r>
+                          <m:rPr>
+                            <m:sty m:val="p"/>
+                          </m:rPr>
+                          <a:rPr lang="en-US" altLang="zh-TW" sz="3400" b="0" i="0" smtClean="0">
+                            <a:solidFill>
+                              <a:srgbClr val="0070C0"/>
+                            </a:solidFill>
+                            <a:latin typeface="Cambria Math" panose="02040503050406030204" pitchFamily="18" charset="0"/>
+                            <a:ea typeface="Cambria Math" panose="02040503050406030204" pitchFamily="18" charset="0"/>
+                          </a:rPr>
+                          <m:t>total</m:t>
+                        </m:r>
+                      </m:sub>
+                    </m:sSub>
                     <m:r>
-                      <m:rPr>
-                        <m:sty m:val="p"/>
-                      </m:rPr>
-                      <a:rPr lang="en-US" altLang="zh-TW" sz="3600" b="0" i="0" smtClean="0">
-                        <a:latin typeface="Cambria Math" panose="02040503050406030204" pitchFamily="18" charset="0"/>
-                        <a:ea typeface="Cambria Math" panose="02040503050406030204" pitchFamily="18" charset="0"/>
-                      </a:rPr>
-                      <m:t>A</m:t>
-                    </m:r>
-                    <m:r>
-                      <a:rPr lang="en-US" altLang="zh-TW" sz="3600" b="0" i="0" smtClean="0">
+                      <a:rPr lang="en-US" altLang="zh-TW" sz="3400" b="0" i="0" smtClean="0">
                         <a:latin typeface="Cambria Math" panose="02040503050406030204" pitchFamily="18" charset="0"/>
                         <a:ea typeface="Cambria Math" panose="02040503050406030204" pitchFamily="18" charset="0"/>
                       </a:rPr>
@@ -12744,14 +12784,14 @@
                       <m:rPr>
                         <m:sty m:val="p"/>
                       </m:rPr>
-                      <a:rPr lang="en-US" altLang="zh-TW" sz="3600" b="0" i="0" smtClean="0">
+                      <a:rPr lang="en-US" altLang="zh-TW" sz="3400" b="0" i="0" smtClean="0">
                         <a:latin typeface="Cambria Math" panose="02040503050406030204" pitchFamily="18" charset="0"/>
                         <a:ea typeface="Cambria Math" panose="02040503050406030204" pitchFamily="18" charset="0"/>
                       </a:rPr>
                       <m:t>E</m:t>
                     </m:r>
                     <m:r>
-                      <a:rPr lang="en-US" altLang="zh-TW" sz="3600" b="0" i="0" smtClean="0">
+                      <a:rPr lang="en-US" altLang="zh-TW" sz="3400" b="0" i="0" smtClean="0">
                         <a:latin typeface="Cambria Math" panose="02040503050406030204" pitchFamily="18" charset="0"/>
                         <a:ea typeface="Cambria Math" panose="02040503050406030204" pitchFamily="18" charset="0"/>
                       </a:rPr>
@@ -12761,7 +12801,7 @@
                       <m:accPr>
                         <m:chr m:val="⃗"/>
                         <m:ctrlPr>
-                          <a:rPr lang="en-US" altLang="zh-TW" sz="3600" b="0" i="1" smtClean="0">
+                          <a:rPr lang="en-US" altLang="zh-TW" sz="3400" b="0" i="1" smtClean="0">
                             <a:latin typeface="Cambria Math" panose="02040503050406030204" pitchFamily="18" charset="0"/>
                             <a:ea typeface="Cambria Math" panose="02040503050406030204" pitchFamily="18" charset="0"/>
                           </a:rPr>
@@ -12772,7 +12812,7 @@
                           <m:rPr>
                             <m:sty m:val="p"/>
                           </m:rPr>
-                          <a:rPr lang="en-US" altLang="zh-TW" sz="3600" b="0" i="0" smtClean="0">
+                          <a:rPr lang="en-US" altLang="zh-TW" sz="3400" b="0" i="0" smtClean="0">
                             <a:latin typeface="Cambria Math" panose="02040503050406030204" pitchFamily="18" charset="0"/>
                             <a:ea typeface="Cambria Math" panose="02040503050406030204" pitchFamily="18" charset="0"/>
                           </a:rPr>
@@ -12781,7 +12821,7 @@
                       </m:e>
                     </m:acc>
                     <m:r>
-                      <a:rPr lang="en-US" altLang="zh-TW" sz="3600" b="0" i="0" smtClean="0">
+                      <a:rPr lang="en-US" altLang="zh-TW" sz="3400" b="0" i="0" smtClean="0">
                         <a:latin typeface="Cambria Math" panose="02040503050406030204" pitchFamily="18" charset="0"/>
                         <a:ea typeface="Cambria Math" panose="02040503050406030204" pitchFamily="18" charset="0"/>
                       </a:rPr>
@@ -12790,7 +12830,7 @@
                     <m:f>
                       <m:fPr>
                         <m:ctrlPr>
-                          <a:rPr lang="en-US" altLang="zh-TW" sz="3600" b="0" smtClean="0">
+                          <a:rPr lang="en-US" altLang="zh-TW" sz="3400" b="0" i="1" smtClean="0">
                             <a:latin typeface="Cambria Math" panose="02040503050406030204" pitchFamily="18" charset="0"/>
                             <a:ea typeface="Cambria Math" panose="02040503050406030204" pitchFamily="18" charset="0"/>
                           </a:rPr>
@@ -12798,7 +12838,7 @@
                       </m:fPr>
                       <m:num>
                         <m:r>
-                          <a:rPr lang="en-US" altLang="zh-TW" sz="3600" b="0" i="0" smtClean="0">
+                          <a:rPr lang="en-US" altLang="zh-TW" sz="3400" b="0" i="0" smtClean="0">
                             <a:latin typeface="Cambria Math" panose="02040503050406030204" pitchFamily="18" charset="0"/>
                             <a:ea typeface="Cambria Math" panose="02040503050406030204" pitchFamily="18" charset="0"/>
                           </a:rPr>
@@ -12810,7 +12850,7 @@
                           <m:rPr>
                             <m:sty m:val="p"/>
                           </m:rPr>
-                          <a:rPr lang="en-US" altLang="zh-TW" sz="3600" b="0" i="0" smtClean="0">
+                          <a:rPr lang="en-US" altLang="zh-TW" sz="3400" b="0" i="0" smtClean="0">
                             <a:latin typeface="Cambria Math" panose="02040503050406030204" pitchFamily="18" charset="0"/>
                             <a:ea typeface="Cambria Math" panose="02040503050406030204" pitchFamily="18" charset="0"/>
                           </a:rPr>
@@ -12821,7 +12861,7 @@
                     <m:func>
                       <m:funcPr>
                         <m:ctrlPr>
-                          <a:rPr lang="en-US" altLang="zh-TW" sz="3600" b="0" smtClean="0">
+                          <a:rPr lang="en-US" altLang="zh-TW" sz="3400" b="0" i="1" smtClean="0">
                             <a:latin typeface="Cambria Math" panose="02040503050406030204" pitchFamily="18" charset="0"/>
                             <a:ea typeface="Cambria Math" panose="02040503050406030204" pitchFamily="18" charset="0"/>
                           </a:rPr>
@@ -12831,7 +12871,7 @@
                         <m:limLow>
                           <m:limLowPr>
                             <m:ctrlPr>
-                              <a:rPr lang="en-US" altLang="zh-TW" sz="3600" b="0" smtClean="0">
+                              <a:rPr lang="en-US" altLang="zh-TW" sz="3400" b="0" i="1" smtClean="0">
                                 <a:latin typeface="Cambria Math" panose="02040503050406030204" pitchFamily="18" charset="0"/>
                                 <a:ea typeface="Cambria Math" panose="02040503050406030204" pitchFamily="18" charset="0"/>
                               </a:rPr>
@@ -12842,7 +12882,7 @@
                               <m:rPr>
                                 <m:sty m:val="p"/>
                               </m:rPr>
-                              <a:rPr lang="en-US" altLang="zh-TW" sz="3600" b="0" i="0" smtClean="0">
+                              <a:rPr lang="en-US" altLang="zh-TW" sz="3400" b="0" i="0" smtClean="0">
                                 <a:latin typeface="Cambria Math" panose="02040503050406030204" pitchFamily="18" charset="0"/>
                                 <a:ea typeface="Cambria Math" panose="02040503050406030204" pitchFamily="18" charset="0"/>
                               </a:rPr>
@@ -12854,13 +12894,13 @@
                               <m:rPr>
                                 <m:sty m:val="p"/>
                               </m:rPr>
-                              <a:rPr lang="zh-TW" altLang="en-US" sz="3600" i="0">
+                              <a:rPr lang="zh-TW" altLang="en-US" sz="3400" i="0">
                                 <a:latin typeface="Cambria Math" panose="02040503050406030204" pitchFamily="18" charset="0"/>
                               </a:rPr>
                               <m:t>ε</m:t>
                             </m:r>
                             <m:r>
-                              <a:rPr lang="en-US" altLang="zh-TW" sz="3600" b="0" i="0" smtClean="0">
+                              <a:rPr lang="en-US" altLang="zh-TW" sz="3400" b="0" i="0" smtClean="0">
                                 <a:latin typeface="Cambria Math" panose="02040503050406030204" pitchFamily="18" charset="0"/>
                               </a:rPr>
                               <m:t>→</m:t>
@@ -12868,14 +12908,14 @@
                             <m:sSup>
                               <m:sSupPr>
                                 <m:ctrlPr>
-                                  <a:rPr lang="en-US" altLang="zh-TW" sz="3600" b="0" smtClean="0">
+                                  <a:rPr lang="en-US" altLang="zh-TW" sz="3400" b="0" i="1" smtClean="0">
                                     <a:latin typeface="Cambria Math" panose="02040503050406030204" pitchFamily="18" charset="0"/>
                                   </a:rPr>
                                 </m:ctrlPr>
                               </m:sSupPr>
                               <m:e>
                                 <m:r>
-                                  <a:rPr lang="en-US" altLang="zh-TW" sz="3600" b="0" i="0" smtClean="0">
+                                  <a:rPr lang="en-US" altLang="zh-TW" sz="3400" b="0" i="0" smtClean="0">
                                     <a:latin typeface="Cambria Math" panose="02040503050406030204" pitchFamily="18" charset="0"/>
                                   </a:rPr>
                                   <m:t>0</m:t>
@@ -12883,7 +12923,7 @@
                               </m:e>
                               <m:sup>
                                 <m:r>
-                                  <a:rPr lang="en-US" altLang="zh-TW" sz="3600" b="0" i="0" smtClean="0">
+                                  <a:rPr lang="en-US" altLang="zh-TW" sz="3400" b="0" i="0" smtClean="0">
                                     <a:latin typeface="Cambria Math" panose="02040503050406030204" pitchFamily="18" charset="0"/>
                                   </a:rPr>
                                   <m:t>+</m:t>
@@ -12898,13 +12938,13 @@
                           <m:rPr>
                             <m:sty m:val="p"/>
                           </m:rPr>
-                          <a:rPr lang="en-US" altLang="zh-TW" sz="3600" b="0" i="0" smtClean="0">
+                          <a:rPr lang="en-US" altLang="zh-TW" sz="3400" b="0" i="0" smtClean="0">
                             <a:latin typeface="Cambria Math" panose="02040503050406030204" pitchFamily="18" charset="0"/>
                           </a:rPr>
                           <m:t>Im</m:t>
                         </m:r>
                         <m:r>
-                          <a:rPr lang="en-US" altLang="zh-TW" sz="3600" b="0" i="0" smtClean="0">
+                          <a:rPr lang="en-US" altLang="zh-TW" sz="3400" b="0" i="0" smtClean="0">
                             <a:latin typeface="Cambria Math" panose="02040503050406030204" pitchFamily="18" charset="0"/>
                           </a:rPr>
                           <m:t>(</m:t>
@@ -12913,7 +12953,7 @@
                           <m:rPr>
                             <m:sty m:val="p"/>
                           </m:rPr>
-                          <a:rPr lang="en-US" altLang="zh-TW" sz="3600" b="0" i="0" smtClean="0">
+                          <a:rPr lang="en-US" altLang="zh-TW" sz="3400" b="0" i="0" smtClean="0">
                             <a:solidFill>
                               <a:srgbClr val="0070C0"/>
                             </a:solidFill>
@@ -12922,7 +12962,7 @@
                           <m:t>tr</m:t>
                         </m:r>
                         <m:r>
-                          <a:rPr lang="en-US" altLang="zh-TW" sz="3600" b="0" i="0" smtClean="0">
+                          <a:rPr lang="en-US" altLang="zh-TW" sz="3400" b="0" i="0" smtClean="0">
                             <a:latin typeface="Cambria Math" panose="02040503050406030204" pitchFamily="18" charset="0"/>
                           </a:rPr>
                           <m:t>( </m:t>
@@ -12931,7 +12971,7 @@
                           <m:rPr>
                             <m:sty m:val="p"/>
                           </m:rPr>
-                          <a:rPr lang="en-US" altLang="zh-TW" sz="3600" b="0" i="0" smtClean="0">
+                          <a:rPr lang="en-US" altLang="zh-TW" sz="3400" b="0" i="0" smtClean="0">
                             <a:latin typeface="Cambria Math" panose="02040503050406030204" pitchFamily="18" charset="0"/>
                           </a:rPr>
                           <m:t>G</m:t>
@@ -12939,7 +12979,7 @@
                         <m:d>
                           <m:dPr>
                             <m:ctrlPr>
-                              <a:rPr lang="en-US" altLang="zh-TW" sz="3600" b="0" i="0" smtClean="0">
+                              <a:rPr lang="en-US" altLang="zh-TW" sz="3400" b="0" i="1" smtClean="0">
                                 <a:latin typeface="Cambria Math" panose="02040503050406030204" pitchFamily="18" charset="0"/>
                               </a:rPr>
                             </m:ctrlPr>
@@ -12949,13 +12989,13 @@
                               <m:rPr>
                                 <m:sty m:val="p"/>
                               </m:rPr>
-                              <a:rPr lang="en-US" altLang="zh-TW" sz="3600" b="0" i="0" smtClean="0">
+                              <a:rPr lang="en-US" altLang="zh-TW" sz="3400" b="0" i="0" smtClean="0">
                                 <a:latin typeface="Cambria Math" panose="02040503050406030204" pitchFamily="18" charset="0"/>
                               </a:rPr>
                               <m:t>E</m:t>
                             </m:r>
                             <m:r>
-                              <a:rPr lang="en-US" altLang="zh-TW" sz="3600" b="0" i="0" smtClean="0">
+                              <a:rPr lang="en-US" altLang="zh-TW" sz="3400" b="0" i="0" smtClean="0">
                                 <a:latin typeface="Cambria Math" panose="02040503050406030204" pitchFamily="18" charset="0"/>
                               </a:rPr>
                               <m:t>(</m:t>
@@ -12964,7 +13004,7 @@
                               <m:accPr>
                                 <m:chr m:val="⃗"/>
                                 <m:ctrlPr>
-                                  <a:rPr lang="en-US" altLang="zh-TW" sz="3600" b="0" i="1" smtClean="0">
+                                  <a:rPr lang="en-US" altLang="zh-TW" sz="3400" b="0" i="1" smtClean="0">
                                     <a:latin typeface="Cambria Math" panose="02040503050406030204" pitchFamily="18" charset="0"/>
                                   </a:rPr>
                                 </m:ctrlPr>
@@ -12974,7 +13014,7 @@
                                   <m:rPr>
                                     <m:sty m:val="p"/>
                                   </m:rPr>
-                                  <a:rPr lang="en-US" altLang="zh-TW" sz="3600" b="0" i="0" smtClean="0">
+                                  <a:rPr lang="en-US" altLang="zh-TW" sz="3400" b="0" i="0" smtClean="0">
                                     <a:latin typeface="Cambria Math" panose="02040503050406030204" pitchFamily="18" charset="0"/>
                                   </a:rPr>
                                   <m:t>k</m:t>
@@ -12982,7 +13022,7 @@
                               </m:e>
                             </m:acc>
                             <m:r>
-                              <a:rPr lang="en-US" altLang="zh-TW" sz="3600" b="0" i="0" smtClean="0">
+                              <a:rPr lang="en-US" altLang="zh-TW" sz="3400" b="0" i="0" smtClean="0">
                                 <a:latin typeface="Cambria Math" panose="02040503050406030204" pitchFamily="18" charset="0"/>
                               </a:rPr>
                               <m:t>)+</m:t>
@@ -12991,13 +13031,13 @@
                               <m:rPr>
                                 <m:sty m:val="p"/>
                               </m:rPr>
-                              <a:rPr lang="en-US" altLang="zh-TW" sz="3600" b="0" i="0" smtClean="0">
+                              <a:rPr lang="en-US" altLang="zh-TW" sz="3400" b="0" i="0" smtClean="0">
                                 <a:latin typeface="Cambria Math" panose="02040503050406030204" pitchFamily="18" charset="0"/>
                               </a:rPr>
                               <m:t>i</m:t>
                             </m:r>
                             <m:r>
-                              <a:rPr lang="zh-TW" altLang="en-US" sz="3600" i="1" smtClean="0">
+                              <a:rPr lang="zh-TW" altLang="en-US" sz="3400" i="1" smtClean="0">
                                 <a:latin typeface="Cambria Math" panose="02040503050406030204" pitchFamily="18" charset="0"/>
                               </a:rPr>
                               <m:t>𝜀</m:t>
@@ -13005,7 +13045,7 @@
                           </m:e>
                         </m:d>
                         <m:r>
-                          <a:rPr lang="en-US" altLang="zh-TW" sz="3600" b="0" i="0" smtClean="0">
+                          <a:rPr lang="en-US" altLang="zh-TW" sz="3400" b="0" i="0" smtClean="0">
                             <a:latin typeface="Cambria Math" panose="02040503050406030204" pitchFamily="18" charset="0"/>
                           </a:rPr>
                           <m:t> ))</m:t>
@@ -13014,14 +13054,14 @@
                           <m:rPr>
                             <m:nor/>
                           </m:rPr>
-                          <a:rPr lang="zh-TW" altLang="en-US" sz="3600" dirty="0"/>
+                          <a:rPr lang="zh-TW" altLang="en-US" sz="3400" dirty="0"/>
                           <m:t> </m:t>
                         </m:r>
                       </m:e>
                     </m:func>
                   </m:oMath>
                 </a14:m>
-                <a:endParaRPr lang="zh-TW" altLang="en-US" sz="3600" dirty="0"/>
+                <a:endParaRPr lang="zh-TW" altLang="en-US" sz="3400" dirty="0"/>
               </a:p>
             </p:txBody>
           </p:sp>
@@ -13037,8 +13077,8 @@
             </p:nvSpPr>
             <p:spPr>
               <a:xfrm>
-                <a:off x="197682" y="4973229"/>
-                <a:ext cx="12135245" cy="848117"/>
+                <a:off x="87615" y="5040585"/>
+                <a:ext cx="12199878" cy="800925"/>
               </a:xfrm>
               <a:prstGeom prst="rect">
                 <a:avLst/>
@@ -13046,7 +13086,7 @@
               <a:blipFill>
                 <a:blip r:embed="rId7"/>
                 <a:stretch>
-                  <a:fillRect l="-2260" t="-2878" b="-10791"/>
+                  <a:fillRect l="-2148" t="-3053" b="-11450"/>
                 </a:stretch>
               </a:blipFill>
             </p:spPr>
@@ -13075,8 +13115,8 @@
             </p:nvSpPr>
             <p:spPr>
               <a:xfrm>
-                <a:off x="3625502" y="5821346"/>
-                <a:ext cx="5531899" cy="917624"/>
+                <a:off x="3904902" y="5838783"/>
+                <a:ext cx="6352316" cy="917624"/>
               </a:xfrm>
               <a:prstGeom prst="rect">
                 <a:avLst/>
@@ -13089,7 +13129,6 @@
               </a:bodyPr>
               <a:lstStyle/>
               <a:p>
-                <a:pPr/>
                 <a:r>
                   <a:rPr lang="en-US" altLang="zh-TW" sz="3600" b="0" dirty="0" smtClean="0">
                     <a:solidFill>
@@ -13249,20 +13288,53 @@
                           </a:rPr>
                           <m:t> </m:t>
                         </m:r>
-                        <m:r>
-                          <m:rPr>
-                            <m:sty m:val="p"/>
-                          </m:rPr>
-                          <a:rPr lang="en-US" altLang="zh-TW" sz="3600" b="0" i="0" smtClean="0">
-                            <a:latin typeface="Cambria Math" panose="02040503050406030204" pitchFamily="18" charset="0"/>
-                            <a:ea typeface="Cambria Math" panose="02040503050406030204" pitchFamily="18" charset="0"/>
-                          </a:rPr>
-                          <m:t>A</m:t>
-                        </m:r>
+                        <m:sSub>
+                          <m:sSubPr>
+                            <m:ctrlPr>
+                              <a:rPr lang="en-US" altLang="zh-TW" sz="3600" b="0" i="0" smtClean="0">
+                                <a:solidFill>
+                                  <a:srgbClr val="0070C0"/>
+                                </a:solidFill>
+                                <a:latin typeface="Cambria Math" panose="02040503050406030204" pitchFamily="18" charset="0"/>
+                                <a:ea typeface="Cambria Math" panose="02040503050406030204" pitchFamily="18" charset="0"/>
+                              </a:rPr>
+                            </m:ctrlPr>
+                          </m:sSubPr>
+                          <m:e>
+                            <m:r>
+                              <m:rPr>
+                                <m:sty m:val="p"/>
+                              </m:rPr>
+                              <a:rPr lang="en-US" altLang="zh-TW" sz="3600" b="0" i="0" smtClean="0">
+                                <a:solidFill>
+                                  <a:schemeClr val="tx1"/>
+                                </a:solidFill>
+                                <a:latin typeface="Cambria Math" panose="02040503050406030204" pitchFamily="18" charset="0"/>
+                                <a:ea typeface="Cambria Math" panose="02040503050406030204" pitchFamily="18" charset="0"/>
+                              </a:rPr>
+                              <m:t>A</m:t>
+                            </m:r>
+                          </m:e>
+                          <m:sub>
+                            <m:r>
+                              <m:rPr>
+                                <m:sty m:val="p"/>
+                              </m:rPr>
+                              <a:rPr lang="en-US" altLang="zh-TW" sz="3600" b="0" i="0" smtClean="0">
+                                <a:solidFill>
+                                  <a:srgbClr val="0070C0"/>
+                                </a:solidFill>
+                                <a:latin typeface="Cambria Math" panose="02040503050406030204" pitchFamily="18" charset="0"/>
+                                <a:ea typeface="Cambria Math" panose="02040503050406030204" pitchFamily="18" charset="0"/>
+                              </a:rPr>
+                              <m:t>total</m:t>
+                            </m:r>
+                          </m:sub>
+                        </m:sSub>
                         <m:d>
                           <m:dPr>
                             <m:ctrlPr>
-                              <a:rPr lang="en-US" altLang="zh-TW" sz="3600" b="0" i="0" smtClean="0">
+                              <a:rPr lang="en-US" altLang="zh-TW" sz="3600" b="0" i="1" smtClean="0">
                                 <a:latin typeface="Cambria Math" panose="02040503050406030204" pitchFamily="18" charset="0"/>
                                 <a:ea typeface="Cambria Math" panose="02040503050406030204" pitchFamily="18" charset="0"/>
                               </a:rPr>
@@ -13338,8 +13410,8 @@
             </p:nvSpPr>
             <p:spPr>
               <a:xfrm>
-                <a:off x="3625502" y="5821346"/>
-                <a:ext cx="5531899" cy="917624"/>
+                <a:off x="3904902" y="5838783"/>
+                <a:ext cx="6352316" cy="917624"/>
               </a:xfrm>
               <a:prstGeom prst="rect">
                 <a:avLst/>
@@ -13347,7 +13419,7 @@
               <a:blipFill>
                 <a:blip r:embed="rId8"/>
                 <a:stretch>
-                  <a:fillRect l="-5072" b="-17333"/>
+                  <a:fillRect l="-4415" b="-17333"/>
                 </a:stretch>
               </a:blipFill>
             </p:spPr>
@@ -13456,11 +13528,7 @@
             </a:r>
             <a:r>
               <a:rPr lang="en-US" altLang="zh-TW" b="1" dirty="0" smtClean="0"/>
-              <a:t>, Solid State Physics (Elsevier Science, 2000). </a:t>
-            </a:r>
-            <a:r>
-              <a:rPr lang="en-US" altLang="zh-TW" b="1" dirty="0" smtClean="0"/>
-              <a:t>1</a:t>
+              <a:t>, Solid State Physics (Elsevier Science, 2000). 1</a:t>
             </a:r>
             <a:r>
               <a:rPr lang="en-US" altLang="zh-TW" b="1" baseline="30000" dirty="0" smtClean="0"/>
@@ -13476,7 +13544,15 @@
             </a:r>
             <a:r>
               <a:rPr lang="en-US" altLang="zh-TW" b="1" dirty="0" smtClean="0"/>
-              <a:t> 1.4 &amp; </a:t>
+              <a:t> </a:t>
+            </a:r>
+            <a:r>
+              <a:rPr lang="en-US" altLang="zh-TW" b="1" dirty="0" smtClean="0"/>
+              <a:t>1.4.2 </a:t>
+            </a:r>
+            <a:r>
+              <a:rPr lang="en-US" altLang="zh-TW" b="1" dirty="0" smtClean="0"/>
+              <a:t>&amp; </a:t>
             </a:r>
             <a:r>
               <a:rPr lang="en-US" altLang="zh-TW" b="1" dirty="0" err="1" smtClean="0"/>
@@ -13484,8 +13560,13 @@
             </a:r>
             <a:r>
               <a:rPr lang="en-US" altLang="zh-TW" b="1" dirty="0" smtClean="0"/>
-              <a:t> 8.4</a:t>
+              <a:t> </a:t>
             </a:r>
+            <a:r>
+              <a:rPr lang="en-US" altLang="zh-TW" b="1" dirty="0" smtClean="0"/>
+              <a:t>5.8.4</a:t>
+            </a:r>
+            <a:endParaRPr lang="en-US" altLang="zh-TW" b="1" dirty="0" smtClean="0"/>
           </a:p>
           <a:p>
             <a:endParaRPr lang="zh-TW" altLang="en-US" sz="4400" b="1" dirty="0" smtClean="0"/>
